--- a/amlcheck-docs/AML Check API.pptx
+++ b/amlcheck-docs/AML Check API.pptx
@@ -363,7 +363,7 @@
           <a:p>
             <a:fld id="{732A97CC-D3C3-44BF-ADA1-E29F81B60712}" type="datetimeFigureOut">
               <a:rPr lang="en-US" smtClean="0"/>
-              <a:t>2/13/2023</a:t>
+              <a:t>2/20/2023</a:t>
             </a:fld>
             <a:endParaRPr lang="en-US"/>
           </a:p>
@@ -586,7 +586,7 @@
           <a:p>
             <a:fld id="{732A97CC-D3C3-44BF-ADA1-E29F81B60712}" type="datetimeFigureOut">
               <a:rPr lang="en-US" smtClean="0"/>
-              <a:t>2/13/2023</a:t>
+              <a:t>2/20/2023</a:t>
             </a:fld>
             <a:endParaRPr lang="en-US"/>
           </a:p>
@@ -866,7 +866,7 @@
           <a:p>
             <a:fld id="{732A97CC-D3C3-44BF-ADA1-E29F81B60712}" type="datetimeFigureOut">
               <a:rPr lang="en-US" smtClean="0"/>
-              <a:t>2/13/2023</a:t>
+              <a:t>2/20/2023</a:t>
             </a:fld>
             <a:endParaRPr lang="en-US"/>
           </a:p>
@@ -1045,7 +1045,7 @@
           <a:p>
             <a:fld id="{732A97CC-D3C3-44BF-ADA1-E29F81B60712}" type="datetimeFigureOut">
               <a:rPr lang="en-US" smtClean="0"/>
-              <a:t>2/13/2023</a:t>
+              <a:t>2/20/2023</a:t>
             </a:fld>
             <a:endParaRPr lang="en-US"/>
           </a:p>
@@ -1403,7 +1403,7 @@
           <a:p>
             <a:fld id="{732A97CC-D3C3-44BF-ADA1-E29F81B60712}" type="datetimeFigureOut">
               <a:rPr lang="en-US" smtClean="0"/>
-              <a:t>2/13/2023</a:t>
+              <a:t>2/20/2023</a:t>
             </a:fld>
             <a:endParaRPr lang="en-US"/>
           </a:p>
@@ -1690,7 +1690,7 @@
           <a:p>
             <a:fld id="{732A97CC-D3C3-44BF-ADA1-E29F81B60712}" type="datetimeFigureOut">
               <a:rPr lang="en-US" smtClean="0"/>
-              <a:t>2/13/2023</a:t>
+              <a:t>2/20/2023</a:t>
             </a:fld>
             <a:endParaRPr lang="en-US"/>
           </a:p>
@@ -2112,7 +2112,7 @@
           <a:p>
             <a:fld id="{732A97CC-D3C3-44BF-ADA1-E29F81B60712}" type="datetimeFigureOut">
               <a:rPr lang="en-US" smtClean="0"/>
-              <a:t>2/13/2023</a:t>
+              <a:t>2/20/2023</a:t>
             </a:fld>
             <a:endParaRPr lang="en-US"/>
           </a:p>
@@ -2227,7 +2227,7 @@
           <a:p>
             <a:fld id="{732A97CC-D3C3-44BF-ADA1-E29F81B60712}" type="datetimeFigureOut">
               <a:rPr lang="en-US" smtClean="0"/>
-              <a:t>2/13/2023</a:t>
+              <a:t>2/20/2023</a:t>
             </a:fld>
             <a:endParaRPr lang="en-US"/>
           </a:p>
@@ -2317,7 +2317,7 @@
           <a:p>
             <a:fld id="{732A97CC-D3C3-44BF-ADA1-E29F81B60712}" type="datetimeFigureOut">
               <a:rPr lang="en-US" smtClean="0"/>
-              <a:t>2/13/2023</a:t>
+              <a:t>2/20/2023</a:t>
             </a:fld>
             <a:endParaRPr lang="en-US"/>
           </a:p>
@@ -2595,7 +2595,7 @@
           <a:p>
             <a:fld id="{732A97CC-D3C3-44BF-ADA1-E29F81B60712}" type="datetimeFigureOut">
               <a:rPr lang="en-US" smtClean="0"/>
-              <a:t>2/13/2023</a:t>
+              <a:t>2/20/2023</a:t>
             </a:fld>
             <a:endParaRPr lang="en-US"/>
           </a:p>
@@ -2961,7 +2961,7 @@
           <a:p>
             <a:fld id="{732A97CC-D3C3-44BF-ADA1-E29F81B60712}" type="datetimeFigureOut">
               <a:rPr lang="en-US" smtClean="0"/>
-              <a:t>2/13/2023</a:t>
+              <a:t>2/20/2023</a:t>
             </a:fld>
             <a:endParaRPr lang="en-US"/>
           </a:p>
@@ -3398,7 +3398,7 @@
           <a:p>
             <a:fld id="{732A97CC-D3C3-44BF-ADA1-E29F81B60712}" type="datetimeFigureOut">
               <a:rPr lang="en-US" smtClean="0"/>
-              <a:t>2/13/2023</a:t>
+              <a:t>2/20/2023</a:t>
             </a:fld>
             <a:endParaRPr lang="en-US"/>
           </a:p>
@@ -4234,11 +4234,7 @@
           <a:p>
             <a:r>
               <a:rPr lang="en-US" dirty="0" smtClean="0"/>
-              <a:t>Flow </a:t>
-            </a:r>
-            <a:r>
-              <a:rPr lang="en-US" dirty="0" smtClean="0"/>
-              <a:t>ID and Description</a:t>
+              <a:t>Flow ID and Description</a:t>
             </a:r>
             <a:endParaRPr lang="en-US" dirty="0"/>
           </a:p>
@@ -4283,11 +4279,7 @@
           <a:p>
             <a:r>
               <a:rPr lang="en-US" sz="1600" dirty="0" smtClean="0"/>
-              <a:t>AML-{SOAP </a:t>
-            </a:r>
-            <a:r>
-              <a:rPr lang="en-US" sz="1600" dirty="0" smtClean="0"/>
-              <a:t>| REST}-COMMAND-SUBMISSION</a:t>
+              <a:t>AML-ANY-COMMAND-SUBMISSION</a:t>
             </a:r>
             <a:endParaRPr lang="en-US" sz="1600" dirty="0"/>
           </a:p>
@@ -4315,16 +4307,8 @@
           </a:p>
           <a:p>
             <a:r>
-              <a:rPr lang="en-US" sz="1600" dirty="0"/>
-              <a:t>AML-</a:t>
-            </a:r>
-            <a:r>
-              <a:rPr lang="en-US" sz="1600" dirty="0"/>
-              <a:t>{SOAP | REST}</a:t>
-            </a:r>
-            <a:r>
               <a:rPr lang="en-US" sz="1600" dirty="0" smtClean="0"/>
-              <a:t>-LOAD-COMMAND-REPLY</a:t>
+              <a:t>AML-ANYLOAD-COMMAND-REPLY</a:t>
             </a:r>
             <a:endParaRPr lang="en-US" sz="1600" dirty="0"/>
           </a:p>
@@ -4336,11 +4320,7 @@
             </a:r>
             <a:r>
               <a:rPr lang="en-US" sz="1200" dirty="0" smtClean="0"/>
-              <a:t>REST or SOAP </a:t>
-            </a:r>
-            <a:r>
-              <a:rPr lang="en-US" sz="1200" dirty="0" smtClean="0"/>
-              <a:t>format</a:t>
+              <a:t>REST or SOAP format</a:t>
             </a:r>
             <a:endParaRPr lang="en-US" sz="1500" dirty="0" smtClean="0"/>
           </a:p>
@@ -4791,18 +4771,14 @@
           <a:p>
             <a:r>
               <a:rPr lang="en-US" sz="1600" dirty="0" smtClean="0"/>
-              <a:t>AML-</a:t>
+              <a:t>(TODO FILE COMPONENT )AML- </a:t>
             </a:r>
             <a:r>
               <a:rPr lang="en-US" sz="1600" dirty="0"/>
-              <a:t> {SOAP | </a:t>
-            </a:r>
-            <a:r>
-              <a:rPr lang="en-US" sz="1600"/>
-              <a:t>REST</a:t>
-            </a:r>
-            <a:r>
-              <a:rPr lang="en-US" sz="1600" smtClean="0"/>
+              <a:t>{SOAP | REST</a:t>
+            </a:r>
+            <a:r>
+              <a:rPr lang="en-US" sz="1600" dirty="0" smtClean="0"/>
               <a:t>}-</a:t>
             </a:r>
             <a:r>
@@ -4821,8 +4797,9 @@
           <a:p>
             <a:r>
               <a:rPr lang="en-US" sz="1600" dirty="0" smtClean="0"/>
-              <a:t>AML-EXTERNAL-TRANS-CLIENT-REPORT</a:t>
-            </a:r>
+              <a:t>(TABLE ROW COMPONENT) AML-EXTERNAL-TRANS-CLIENT-REPORT</a:t>
+            </a:r>
+            <a:endParaRPr lang="en-US" sz="1600" dirty="0" smtClean="0"/>
           </a:p>
           <a:p>
             <a:pPr lvl="1"/>
@@ -4911,19 +4888,19 @@
         </p:nvSpPr>
         <p:spPr>
           <a:xfrm>
-            <a:off x="404327" y="3429000"/>
-            <a:ext cx="8382000" cy="2263409"/>
+            <a:off x="404327" y="3429001"/>
+            <a:ext cx="8305800" cy="1524000"/>
           </a:xfrm>
         </p:spPr>
         <p:txBody>
           <a:bodyPr>
-            <a:normAutofit fontScale="92500" lnSpcReduction="10000"/>
+            <a:normAutofit fontScale="70000" lnSpcReduction="20000"/>
           </a:bodyPr>
           <a:lstStyle/>
           <a:p>
             <a:r>
               <a:rPr lang="en-US" dirty="0" smtClean="0"/>
-              <a:t>Endpoints/flow</a:t>
+              <a:t>Endpoints/flow old</a:t>
             </a:r>
             <a:endParaRPr lang="en-US" sz="2200" dirty="0"/>
           </a:p>
@@ -4933,7 +4910,11 @@
             </a:pPr>
             <a:r>
               <a:rPr lang="en-US" sz="2000" dirty="0" smtClean="0"/>
-              <a:t>1.) GET    : /mas/</a:t>
+              <a:t>1.) GET    : /</a:t>
+            </a:r>
+            <a:r>
+              <a:rPr lang="en-US" sz="2000" dirty="0" smtClean="0"/>
+              <a:t>mas/</a:t>
             </a:r>
             <a:r>
               <a:rPr lang="en-US" sz="2000" dirty="0" err="1" smtClean="0"/>
@@ -4945,7 +4926,7 @@
             </a:r>
             <a:r>
               <a:rPr lang="en-US" sz="2000" b="1" dirty="0" smtClean="0"/>
-              <a:t>/external/rest/command-template</a:t>
+              <a:t>/external/command-template</a:t>
             </a:r>
             <a:endParaRPr lang="en-US" sz="2000" b="1" dirty="0" smtClean="0"/>
           </a:p>
@@ -4955,11 +4936,11 @@
             </a:pPr>
             <a:r>
               <a:rPr lang="en-US" sz="2000" dirty="0" smtClean="0"/>
-              <a:t>2.) POST : </a:t>
+              <a:t>2.) POST : /</a:t>
             </a:r>
             <a:r>
               <a:rPr lang="en-US" sz="2000" dirty="0" smtClean="0"/>
-              <a:t>/mas/</a:t>
+              <a:t>mas/</a:t>
             </a:r>
             <a:r>
               <a:rPr lang="en-US" sz="2000" dirty="0" err="1" smtClean="0"/>
@@ -4971,8 +4952,9 @@
             </a:r>
             <a:r>
               <a:rPr lang="en-US" sz="2000" b="1" dirty="0" smtClean="0"/>
-              <a:t>/external/rest/command</a:t>
-            </a:r>
+              <a:t>/external/command</a:t>
+            </a:r>
+            <a:endParaRPr lang="en-US" sz="2000" b="1" dirty="0" smtClean="0"/>
           </a:p>
           <a:p>
             <a:pPr marL="457200" lvl="1" indent="0">
@@ -5000,23 +4982,15 @@
             </a:r>
             <a:r>
               <a:rPr lang="en-US" sz="2000" b="1" dirty="0" smtClean="0"/>
-              <a:t>/external/rest/</a:t>
+              <a:t>/external/</a:t>
             </a:r>
             <a:r>
               <a:rPr lang="en-US" sz="2000" b="1" dirty="0" err="1" smtClean="0"/>
-              <a:t>command?reply</a:t>
-            </a:r>
-            <a:r>
-              <a:rPr lang="en-US" sz="2000" b="1" dirty="0" err="1" smtClean="0"/>
-              <a:t>Id</a:t>
+              <a:t>command?replyId</a:t>
             </a:r>
             <a:r>
               <a:rPr lang="en-US" sz="2000" b="1" dirty="0" smtClean="0"/>
-              <a:t>=</a:t>
-            </a:r>
-            <a:r>
-              <a:rPr lang="en-US" sz="2000" b="1" dirty="0" smtClean="0"/>
-              <a:t>{</a:t>
+              <a:t>={</a:t>
             </a:r>
             <a:r>
               <a:rPr lang="en-US" sz="2000" b="1" dirty="0" err="1" smtClean="0"/>
@@ -5306,6 +5280,356 @@
               <a:rPr lang="en-US" dirty="0" smtClean="0"/>
               <a:t>-check/v1</a:t>
             </a:r>
+          </a:p>
+          <a:p>
+            <a:endParaRPr lang="en-US" dirty="0"/>
+          </a:p>
+        </p:txBody>
+      </p:sp>
+      <p:sp>
+        <p:nvSpPr>
+          <p:cNvPr id="5" name="Content Placeholder 2"/>
+          <p:cNvSpPr txBox="1">
+            <a:spLocks/>
+          </p:cNvSpPr>
+          <p:nvPr/>
+        </p:nvSpPr>
+        <p:spPr>
+          <a:xfrm>
+            <a:off x="404327" y="5106957"/>
+            <a:ext cx="8305800" cy="1524000"/>
+          </a:xfrm>
+          <a:prstGeom prst="rect">
+            <a:avLst/>
+          </a:prstGeom>
+        </p:spPr>
+        <p:txBody>
+          <a:bodyPr vert="horz" lIns="54864" tIns="91440" rtlCol="0">
+            <a:normAutofit fontScale="70000" lnSpcReduction="20000"/>
+          </a:bodyPr>
+          <a:lstStyle>
+            <a:lvl1pPr marL="438912" indent="-320040" algn="l" rtl="0" eaLnBrk="1" latinLnBrk="0" hangingPunct="1">
+              <a:spcBef>
+                <a:spcPts val="0"/>
+              </a:spcBef>
+              <a:buClr>
+                <a:schemeClr val="accent1"/>
+              </a:buClr>
+              <a:buSzPct val="80000"/>
+              <a:buFont typeface="Wingdings 2"/>
+              <a:buChar char=""/>
+              <a:defRPr kumimoji="0" sz="3200" kern="1200">
+                <a:solidFill>
+                  <a:schemeClr val="tx1"/>
+                </a:solidFill>
+                <a:latin typeface="+mn-lt"/>
+                <a:ea typeface="+mn-ea"/>
+                <a:cs typeface="+mn-cs"/>
+              </a:defRPr>
+            </a:lvl1pPr>
+            <a:lvl2pPr marL="731520" indent="-274320" algn="l" rtl="0" eaLnBrk="1" latinLnBrk="0" hangingPunct="1">
+              <a:spcBef>
+                <a:spcPct val="20000"/>
+              </a:spcBef>
+              <a:buClr>
+                <a:schemeClr val="accent2"/>
+              </a:buClr>
+              <a:buSzPct val="90000"/>
+              <a:buFont typeface="Wingdings"/>
+              <a:buChar char=""/>
+              <a:defRPr kumimoji="0" sz="2800" kern="1200">
+                <a:solidFill>
+                  <a:schemeClr val="tx1"/>
+                </a:solidFill>
+                <a:latin typeface="+mn-lt"/>
+                <a:ea typeface="+mn-ea"/>
+                <a:cs typeface="+mn-cs"/>
+              </a:defRPr>
+            </a:lvl2pPr>
+            <a:lvl3pPr marL="996696" indent="-228600" algn="l" rtl="0" eaLnBrk="1" latinLnBrk="0" hangingPunct="1">
+              <a:spcBef>
+                <a:spcPct val="20000"/>
+              </a:spcBef>
+              <a:buClr>
+                <a:schemeClr val="accent3"/>
+              </a:buClr>
+              <a:buFont typeface="Arial"/>
+              <a:buChar char="▪"/>
+              <a:defRPr kumimoji="0" sz="2400" kern="1200">
+                <a:solidFill>
+                  <a:schemeClr val="tx1"/>
+                </a:solidFill>
+                <a:latin typeface="+mn-lt"/>
+                <a:ea typeface="+mn-ea"/>
+                <a:cs typeface="+mn-cs"/>
+              </a:defRPr>
+            </a:lvl3pPr>
+            <a:lvl4pPr marL="1216152" indent="-182880" algn="l" rtl="0" eaLnBrk="1" latinLnBrk="0" hangingPunct="1">
+              <a:spcBef>
+                <a:spcPct val="20000"/>
+              </a:spcBef>
+              <a:buClr>
+                <a:schemeClr val="accent4"/>
+              </a:buClr>
+              <a:buFont typeface="Arial"/>
+              <a:buChar char="▪"/>
+              <a:defRPr kumimoji="0" sz="2000" kern="1200">
+                <a:solidFill>
+                  <a:schemeClr val="tx1"/>
+                </a:solidFill>
+                <a:latin typeface="+mn-lt"/>
+                <a:ea typeface="+mn-ea"/>
+                <a:cs typeface="+mn-cs"/>
+              </a:defRPr>
+            </a:lvl4pPr>
+            <a:lvl5pPr marL="1426464" indent="-182880" algn="l" rtl="0" eaLnBrk="1" latinLnBrk="0" hangingPunct="1">
+              <a:spcBef>
+                <a:spcPct val="20000"/>
+              </a:spcBef>
+              <a:buClr>
+                <a:schemeClr val="accent5"/>
+              </a:buClr>
+              <a:buFont typeface="Wingdings 3"/>
+              <a:buChar char=""/>
+              <a:defRPr kumimoji="0" lang="en-US" sz="2000" kern="1200" smtClean="0">
+                <a:solidFill>
+                  <a:schemeClr val="tx1"/>
+                </a:solidFill>
+                <a:latin typeface="+mn-lt"/>
+                <a:ea typeface="+mn-ea"/>
+                <a:cs typeface="+mn-cs"/>
+              </a:defRPr>
+            </a:lvl5pPr>
+            <a:lvl6pPr marL="1627632" indent="-182880" algn="l" rtl="0" eaLnBrk="1" latinLnBrk="0" hangingPunct="1">
+              <a:spcBef>
+                <a:spcPct val="20000"/>
+              </a:spcBef>
+              <a:buClr>
+                <a:schemeClr val="accent6"/>
+              </a:buClr>
+              <a:buSzPct val="100000"/>
+              <a:buFont typeface="Wingdings 2"/>
+              <a:buChar char=""/>
+              <a:defRPr kumimoji="0" sz="2000" kern="1200">
+                <a:solidFill>
+                  <a:schemeClr val="tx1"/>
+                </a:solidFill>
+                <a:latin typeface="+mn-lt"/>
+                <a:ea typeface="+mn-ea"/>
+                <a:cs typeface="+mn-cs"/>
+              </a:defRPr>
+            </a:lvl6pPr>
+            <a:lvl7pPr marL="1828800" indent="-182880" algn="l" rtl="0" eaLnBrk="1" latinLnBrk="0" hangingPunct="1">
+              <a:spcBef>
+                <a:spcPct val="20000"/>
+              </a:spcBef>
+              <a:buClr>
+                <a:schemeClr val="accent1"/>
+              </a:buClr>
+              <a:buSzPct val="100000"/>
+              <a:buFont typeface="Wingdings 2"/>
+              <a:buChar char=""/>
+              <a:defRPr kumimoji="0" sz="1800" kern="1200">
+                <a:solidFill>
+                  <a:schemeClr val="tx1"/>
+                </a:solidFill>
+                <a:latin typeface="+mn-lt"/>
+                <a:ea typeface="+mn-ea"/>
+                <a:cs typeface="+mn-cs"/>
+              </a:defRPr>
+            </a:lvl7pPr>
+            <a:lvl8pPr marL="2029968" indent="-182880" algn="l" rtl="0" eaLnBrk="1" latinLnBrk="0" hangingPunct="1">
+              <a:spcBef>
+                <a:spcPct val="20000"/>
+              </a:spcBef>
+              <a:buClr>
+                <a:schemeClr val="accent2"/>
+              </a:buClr>
+              <a:buFont typeface="Wingdings 2" pitchFamily="18" charset="2"/>
+              <a:buChar char=""/>
+              <a:defRPr kumimoji="0" sz="1800" kern="1200">
+                <a:solidFill>
+                  <a:schemeClr val="tx1"/>
+                </a:solidFill>
+                <a:latin typeface="+mn-lt"/>
+                <a:ea typeface="+mn-ea"/>
+                <a:cs typeface="+mn-cs"/>
+              </a:defRPr>
+            </a:lvl8pPr>
+            <a:lvl9pPr marL="2231136" indent="-182880" algn="l" rtl="0" eaLnBrk="1" latinLnBrk="0" hangingPunct="1">
+              <a:spcBef>
+                <a:spcPct val="20000"/>
+              </a:spcBef>
+              <a:buClr>
+                <a:schemeClr val="accent3"/>
+              </a:buClr>
+              <a:buFont typeface="Wingdings 2" pitchFamily="18" charset="2"/>
+              <a:buChar char=""/>
+              <a:defRPr kumimoji="0" sz="1800" kern="1200" baseline="0">
+                <a:solidFill>
+                  <a:schemeClr val="tx1"/>
+                </a:solidFill>
+                <a:latin typeface="+mn-lt"/>
+                <a:ea typeface="+mn-ea"/>
+                <a:cs typeface="+mn-cs"/>
+              </a:defRPr>
+            </a:lvl9pPr>
+            <a:extLst/>
+          </a:lstStyle>
+          <a:p>
+            <a:r>
+              <a:rPr lang="en-US" dirty="0" smtClean="0"/>
+              <a:t>Endpoints/flow new </a:t>
+            </a:r>
+            <a:endParaRPr lang="en-US" sz="2200" dirty="0" smtClean="0"/>
+          </a:p>
+          <a:p>
+            <a:pPr marL="457200" lvl="1" indent="0">
+              <a:buFont typeface="Wingdings"/>
+              <a:buNone/>
+            </a:pPr>
+            <a:r>
+              <a:rPr lang="en-US" sz="2000" dirty="0" smtClean="0"/>
+              <a:t>1.) GET    : /mas/</a:t>
+            </a:r>
+            <a:r>
+              <a:rPr lang="en-US" sz="2000" dirty="0" err="1" smtClean="0"/>
+              <a:t>aml</a:t>
+            </a:r>
+            <a:r>
+              <a:rPr lang="en-US" sz="2000" dirty="0" smtClean="0"/>
+              <a:t>-check/v1</a:t>
+            </a:r>
+            <a:r>
+              <a:rPr lang="en-US" sz="2000" b="1" dirty="0" smtClean="0"/>
+              <a:t>/external/{rest | soap}/command-template</a:t>
+            </a:r>
+          </a:p>
+          <a:p>
+            <a:pPr marL="457200" lvl="1" indent="0">
+              <a:buNone/>
+            </a:pPr>
+            <a:r>
+              <a:rPr lang="en-US" sz="2000" dirty="0" smtClean="0"/>
+              <a:t>2.) POST : /mas/</a:t>
+            </a:r>
+            <a:r>
+              <a:rPr lang="en-US" sz="2000" dirty="0" err="1" smtClean="0"/>
+              <a:t>aml</a:t>
+            </a:r>
+            <a:r>
+              <a:rPr lang="en-US" sz="2000" dirty="0" smtClean="0"/>
+              <a:t>-check/v1</a:t>
+            </a:r>
+            <a:r>
+              <a:rPr lang="en-US" sz="2000" b="1" dirty="0" smtClean="0"/>
+              <a:t>/external/</a:t>
+            </a:r>
+            <a:r>
+              <a:rPr lang="en-US" sz="2000" b="1" dirty="0"/>
+              <a:t>{rest | soap}/</a:t>
+            </a:r>
+            <a:r>
+              <a:rPr lang="en-US" sz="2000" b="1" dirty="0" smtClean="0"/>
+              <a:t>command</a:t>
+            </a:r>
+          </a:p>
+          <a:p>
+            <a:pPr marL="457200" lvl="1" indent="0">
+              <a:buFont typeface="Wingdings"/>
+              <a:buNone/>
+            </a:pPr>
+            <a:r>
+              <a:rPr lang="en-US" sz="2000" dirty="0" smtClean="0"/>
+              <a:t>3.) GET    : /mas/</a:t>
+            </a:r>
+            <a:r>
+              <a:rPr lang="en-US" sz="2000" dirty="0" err="1" smtClean="0"/>
+              <a:t>aml</a:t>
+            </a:r>
+            <a:r>
+              <a:rPr lang="en-US" sz="2000" dirty="0" smtClean="0"/>
+              <a:t>-check/v1</a:t>
+            </a:r>
+            <a:r>
+              <a:rPr lang="en-US" sz="2000" b="1" dirty="0" smtClean="0"/>
+              <a:t>/external/</a:t>
+            </a:r>
+            <a:r>
+              <a:rPr lang="en-US" sz="2000" b="1" dirty="0" err="1" smtClean="0"/>
+              <a:t>command?replyId</a:t>
+            </a:r>
+            <a:r>
+              <a:rPr lang="en-US" sz="2000" b="1" dirty="0" smtClean="0"/>
+              <a:t>={</a:t>
+            </a:r>
+            <a:r>
+              <a:rPr lang="en-US" sz="2000" b="1" dirty="0" err="1" smtClean="0"/>
+              <a:t>commandId</a:t>
+            </a:r>
+            <a:r>
+              <a:rPr lang="en-US" sz="2000" b="1" dirty="0" smtClean="0"/>
+              <a:t>}</a:t>
+            </a:r>
+          </a:p>
+          <a:p>
+            <a:pPr marL="457200" lvl="1" indent="0">
+              <a:buFont typeface="Wingdings"/>
+              <a:buNone/>
+            </a:pPr>
+            <a:r>
+              <a:rPr lang="en-US" sz="2000" dirty="0" smtClean="0"/>
+              <a:t>4.) POST : /mas/</a:t>
+            </a:r>
+            <a:r>
+              <a:rPr lang="en-US" sz="2000" dirty="0" err="1" smtClean="0"/>
+              <a:t>aml</a:t>
+            </a:r>
+            <a:r>
+              <a:rPr lang="en-US" sz="2000" dirty="0" smtClean="0"/>
+              <a:t>-check/v1</a:t>
+            </a:r>
+            <a:r>
+              <a:rPr lang="en-US" sz="2000" b="1" dirty="0" smtClean="0"/>
+              <a:t>/internal/command (central insert for 2 &amp; 5)</a:t>
+            </a:r>
+          </a:p>
+          <a:p>
+            <a:pPr marL="457200" lvl="1" indent="0">
+              <a:buFont typeface="Wingdings"/>
+              <a:buNone/>
+            </a:pPr>
+            <a:r>
+              <a:rPr lang="en-US" sz="2000" dirty="0" smtClean="0"/>
+              <a:t>5.) POST : /mas/</a:t>
+            </a:r>
+            <a:r>
+              <a:rPr lang="en-US" sz="2000" dirty="0" err="1" smtClean="0"/>
+              <a:t>aml</a:t>
+            </a:r>
+            <a:r>
+              <a:rPr lang="en-US" sz="2000" dirty="0" smtClean="0"/>
+              <a:t>-check/v1</a:t>
+            </a:r>
+            <a:r>
+              <a:rPr lang="en-US" sz="2000" b="1" dirty="0" smtClean="0"/>
+              <a:t>/external/command</a:t>
+            </a:r>
+          </a:p>
+          <a:p>
+            <a:pPr lvl="1"/>
+            <a:endParaRPr lang="en-US" sz="2000" dirty="0" smtClean="0"/>
+          </a:p>
+          <a:p>
+            <a:pPr lvl="1"/>
+            <a:endParaRPr lang="en-US" sz="2200" dirty="0" smtClean="0"/>
+          </a:p>
+          <a:p>
+            <a:pPr marL="457200" lvl="1" indent="0">
+              <a:buFont typeface="Wingdings"/>
+              <a:buNone/>
+            </a:pPr>
+            <a:endParaRPr lang="en-US" dirty="0" smtClean="0"/>
           </a:p>
           <a:p>
             <a:endParaRPr lang="en-US" dirty="0"/>
@@ -5360,8 +5684,12 @@
           <a:lstStyle/>
           <a:p>
             <a:r>
+              <a:rPr lang="en-US" dirty="0" smtClean="0"/>
+              <a:t>Modules </a:t>
+            </a:r>
+            <a:r>
               <a:rPr lang="en-US" dirty="0"/>
-              <a:t>Components, modules and Deployment Strategy</a:t>
+              <a:t>and Deployment Strategy</a:t>
             </a:r>
           </a:p>
         </p:txBody>
@@ -5376,8 +5704,8 @@
         </p:nvSpPr>
         <p:spPr>
           <a:xfrm>
-            <a:off x="609600" y="1927591"/>
-            <a:ext cx="5105400" cy="2111009"/>
+            <a:off x="531845" y="1778263"/>
+            <a:ext cx="3659155" cy="4774937"/>
           </a:xfrm>
           <a:prstGeom prst="rect">
             <a:avLst/>
@@ -5385,7 +5713,7 @@
         </p:spPr>
         <p:txBody>
           <a:bodyPr vert="horz" lIns="54864" tIns="91440" rtlCol="0">
-            <a:normAutofit fontScale="55000" lnSpcReduction="20000"/>
+            <a:normAutofit fontScale="47500" lnSpcReduction="20000"/>
           </a:bodyPr>
           <a:lstStyle>
             <a:lvl1pPr marL="438912" indent="-320040" algn="l" rtl="0" eaLnBrk="1" latinLnBrk="0" hangingPunct="1">
@@ -5558,8 +5886,17 @@
           </a:lstStyle>
           <a:p>
             <a:r>
+              <a:rPr lang="en-US" b="1" dirty="0" smtClean="0"/>
+              <a:t>Core</a:t>
+            </a:r>
+          </a:p>
+          <a:p>
+            <a:pPr marL="457200" lvl="1" indent="0">
+              <a:buNone/>
+            </a:pPr>
+            <a:r>
               <a:rPr lang="en-US" dirty="0" smtClean="0"/>
-              <a:t>Core</a:t>
+              <a:t>Transformer</a:t>
             </a:r>
           </a:p>
           <a:p>
@@ -5577,10 +5914,57 @@
             </a:r>
           </a:p>
           <a:p>
+            <a:pPr marL="457200" lvl="1" indent="0">
+              <a:buNone/>
+            </a:pPr>
+            <a:r>
+              <a:rPr lang="en-US" dirty="0" smtClean="0"/>
+              <a:t>Components</a:t>
+            </a:r>
+          </a:p>
+          <a:p>
             <a:pPr lvl="1"/>
             <a:r>
               <a:rPr lang="en-US" dirty="0" smtClean="0"/>
-              <a:t>Transform Message</a:t>
+              <a:t>Transform Message </a:t>
+            </a:r>
+          </a:p>
+          <a:p>
+            <a:pPr lvl="2"/>
+            <a:r>
+              <a:rPr lang="en-US" b="1" dirty="0" smtClean="0">
+                <a:solidFill>
+                  <a:srgbClr val="007E39"/>
+                </a:solidFill>
+              </a:rPr>
+              <a:t>custom type, flatten , variable, </a:t>
+            </a:r>
+          </a:p>
+          <a:p>
+            <a:pPr lvl="2"/>
+            <a:r>
+              <a:rPr lang="en-US" b="1" dirty="0" smtClean="0">
+                <a:solidFill>
+                  <a:srgbClr val="007E39"/>
+                </a:solidFill>
+              </a:rPr>
+              <a:t>externalize </a:t>
+            </a:r>
+            <a:r>
+              <a:rPr lang="en-US" b="1" dirty="0" err="1" smtClean="0">
+                <a:solidFill>
+                  <a:srgbClr val="007E39"/>
+                </a:solidFill>
+              </a:rPr>
+              <a:t>dw</a:t>
+            </a:r>
+            <a:r>
+              <a:rPr lang="en-US" b="1" dirty="0" smtClean="0">
+                <a:solidFill>
+                  <a:srgbClr val="007E39"/>
+                </a:solidFill>
+              </a:rPr>
+              <a:t>, root tag</a:t>
             </a:r>
           </a:p>
           <a:p>
@@ -5594,14 +5978,7 @@
             <a:pPr lvl="1"/>
             <a:r>
               <a:rPr lang="en-US" dirty="0" smtClean="0"/>
-              <a:t>Sub flow</a:t>
-            </a:r>
-          </a:p>
-          <a:p>
-            <a:pPr lvl="1"/>
-            <a:r>
-              <a:rPr lang="en-US" dirty="0" smtClean="0"/>
-              <a:t>Choice</a:t>
+              <a:t>Flow</a:t>
             </a:r>
           </a:p>
           <a:p>
@@ -5612,11 +5989,159 @@
             </a:r>
           </a:p>
           <a:p>
+            <a:pPr lvl="1"/>
+            <a:r>
+              <a:rPr lang="en-US" dirty="0" smtClean="0"/>
+              <a:t>Parse Template</a:t>
+            </a:r>
+            <a:endParaRPr lang="en-US" dirty="0"/>
+          </a:p>
+          <a:p>
             <a:pPr marL="457200" lvl="1" indent="0">
-              <a:buFont typeface="Wingdings"/>
               <a:buNone/>
             </a:pPr>
-            <a:endParaRPr lang="en-US" dirty="0" smtClean="0"/>
+            <a:r>
+              <a:rPr lang="en-US" b="1" dirty="0" smtClean="0">
+                <a:solidFill>
+                  <a:srgbClr val="00B050"/>
+                </a:solidFill>
+              </a:rPr>
+              <a:t>Scopes</a:t>
+            </a:r>
+          </a:p>
+          <a:p>
+            <a:pPr lvl="1"/>
+            <a:r>
+              <a:rPr lang="en-US" b="1" dirty="0" smtClean="0">
+                <a:solidFill>
+                  <a:srgbClr val="00B050"/>
+                </a:solidFill>
+              </a:rPr>
+              <a:t>Until success</a:t>
+            </a:r>
+          </a:p>
+          <a:p>
+            <a:pPr lvl="1"/>
+            <a:r>
+              <a:rPr lang="en-US" b="1" dirty="0" smtClean="0">
+                <a:solidFill>
+                  <a:srgbClr val="00B050"/>
+                </a:solidFill>
+              </a:rPr>
+              <a:t>Try</a:t>
+            </a:r>
+          </a:p>
+          <a:p>
+            <a:pPr lvl="1"/>
+            <a:r>
+              <a:rPr lang="en-US" b="1" dirty="0" smtClean="0">
+                <a:solidFill>
+                  <a:srgbClr val="00B050"/>
+                </a:solidFill>
+              </a:rPr>
+              <a:t>Parallel For Each</a:t>
+            </a:r>
+            <a:endParaRPr lang="en-US" dirty="0"/>
+          </a:p>
+          <a:p>
+            <a:pPr lvl="1"/>
+            <a:r>
+              <a:rPr lang="en-US" dirty="0"/>
+              <a:t>Sub </a:t>
+            </a:r>
+            <a:r>
+              <a:rPr lang="en-US" dirty="0" smtClean="0"/>
+              <a:t>flow</a:t>
+            </a:r>
+            <a:endParaRPr lang="en-US" b="1" dirty="0" smtClean="0">
+              <a:solidFill>
+                <a:srgbClr val="00B050"/>
+              </a:solidFill>
+            </a:endParaRPr>
+          </a:p>
+          <a:p>
+            <a:pPr marL="457200" lvl="1" indent="0">
+              <a:buNone/>
+            </a:pPr>
+            <a:r>
+              <a:rPr lang="en-US" b="1" dirty="0" smtClean="0">
+                <a:solidFill>
+                  <a:srgbClr val="00B050"/>
+                </a:solidFill>
+              </a:rPr>
+              <a:t>Error handling</a:t>
+            </a:r>
+            <a:endParaRPr lang="en-US" b="1" dirty="0" smtClean="0">
+              <a:solidFill>
+                <a:srgbClr val="00B050"/>
+              </a:solidFill>
+            </a:endParaRPr>
+          </a:p>
+          <a:p>
+            <a:pPr lvl="1"/>
+            <a:r>
+              <a:rPr lang="en-US" b="1" dirty="0" smtClean="0">
+                <a:solidFill>
+                  <a:srgbClr val="00B050"/>
+                </a:solidFill>
+              </a:rPr>
+              <a:t>Error handler</a:t>
+            </a:r>
+          </a:p>
+          <a:p>
+            <a:pPr lvl="1"/>
+            <a:r>
+              <a:rPr lang="en-US" b="1" dirty="0" smtClean="0">
+                <a:solidFill>
+                  <a:srgbClr val="00B050"/>
+                </a:solidFill>
+              </a:rPr>
+              <a:t>On Error Continue</a:t>
+            </a:r>
+          </a:p>
+          <a:p>
+            <a:pPr lvl="1"/>
+            <a:r>
+              <a:rPr lang="en-US" b="1" dirty="0" smtClean="0">
+                <a:solidFill>
+                  <a:srgbClr val="00B050"/>
+                </a:solidFill>
+              </a:rPr>
+              <a:t>On Error Propagate</a:t>
+            </a:r>
+          </a:p>
+          <a:p>
+            <a:pPr lvl="1"/>
+            <a:r>
+              <a:rPr lang="en-US" b="1" dirty="0" smtClean="0">
+                <a:solidFill>
+                  <a:srgbClr val="00B050"/>
+                </a:solidFill>
+              </a:rPr>
+              <a:t>Raise error</a:t>
+            </a:r>
+          </a:p>
+          <a:p>
+            <a:pPr lvl="1"/>
+            <a:r>
+              <a:rPr lang="en-US" b="1" dirty="0" smtClean="0">
+                <a:solidFill>
+                  <a:srgbClr val="00B050"/>
+                </a:solidFill>
+              </a:rPr>
+              <a:t>Try Catch</a:t>
+            </a:r>
+            <a:endParaRPr lang="en-US" dirty="0"/>
+          </a:p>
+          <a:p>
+            <a:pPr marL="457200" lvl="1" indent="0">
+              <a:buNone/>
+            </a:pPr>
+            <a:endParaRPr lang="en-US" b="1" dirty="0" smtClean="0">
+              <a:solidFill>
+                <a:srgbClr val="00B050"/>
+              </a:solidFill>
+            </a:endParaRPr>
           </a:p>
         </p:txBody>
       </p:sp>
@@ -5842,7 +6367,7 @@
         </p:nvSpPr>
         <p:spPr>
           <a:xfrm>
-            <a:off x="609600" y="4047061"/>
+            <a:off x="5715000" y="4102363"/>
             <a:ext cx="3048000" cy="609600"/>
           </a:xfrm>
           <a:prstGeom prst="rect">
@@ -6032,7 +6557,7 @@
             <a:pPr lvl="1"/>
             <a:r>
               <a:rPr lang="en-US" dirty="0" smtClean="0"/>
-              <a:t>Domain Strategies</a:t>
+              <a:t>On premise</a:t>
             </a:r>
             <a:r>
               <a:rPr lang="en-US" dirty="0" smtClean="0"/>
@@ -6270,8 +6795,8 @@
         </p:nvSpPr>
         <p:spPr>
           <a:xfrm>
-            <a:off x="5715000" y="3382165"/>
-            <a:ext cx="2362200" cy="594359"/>
+            <a:off x="5715000" y="2895600"/>
+            <a:ext cx="2590800" cy="899159"/>
           </a:xfrm>
           <a:prstGeom prst="rect">
             <a:avLst/>
@@ -6460,12 +6985,17 @@
             <a:pPr lvl="1"/>
             <a:r>
               <a:rPr lang="en-US" dirty="0" smtClean="0"/>
-              <a:t>Request</a:t>
-            </a:r>
+              <a:t>Request	</a:t>
+            </a:r>
+            <a:endParaRPr lang="en-US" dirty="0" smtClean="0"/>
+          </a:p>
+          <a:p>
+            <a:pPr lvl="1"/>
             <a:r>
               <a:rPr lang="en-US" dirty="0" smtClean="0"/>
-              <a:t>	</a:t>
-            </a:r>
+              <a:t>Soap</a:t>
+            </a:r>
+            <a:endParaRPr lang="en-US" dirty="0" smtClean="0"/>
           </a:p>
         </p:txBody>
       </p:sp>
@@ -6480,7 +7010,7 @@
         <p:spPr>
           <a:xfrm>
             <a:off x="3505200" y="3200400"/>
-            <a:ext cx="2261118" cy="830553"/>
+            <a:ext cx="2362200" cy="1066800"/>
           </a:xfrm>
           <a:prstGeom prst="rect">
             <a:avLst/>
@@ -6676,11 +7206,15 @@
             <a:pPr lvl="1"/>
             <a:r>
               <a:rPr lang="en-US" dirty="0" smtClean="0"/>
-              <a:t>On Table row</a:t>
-            </a:r>
+              <a:t>Insert</a:t>
+            </a:r>
+            <a:endParaRPr lang="en-US" dirty="0" smtClean="0"/>
+          </a:p>
+          <a:p>
+            <a:pPr lvl="1"/>
             <a:r>
               <a:rPr lang="en-US" dirty="0" smtClean="0"/>
-              <a:t>	</a:t>
+              <a:t>On Table row	</a:t>
             </a:r>
           </a:p>
           <a:p>
@@ -6699,7 +7233,7 @@
         </p:nvSpPr>
         <p:spPr>
           <a:xfrm>
-            <a:off x="3505200" y="4656661"/>
+            <a:off x="5715000" y="5147849"/>
             <a:ext cx="3048000" cy="905940"/>
           </a:xfrm>
           <a:prstGeom prst="rect">
@@ -6881,8 +7415,8 @@
           </a:lstStyle>
           <a:p>
             <a:r>
-              <a:rPr lang="en-US" dirty="0" err="1" smtClean="0"/>
-              <a:t>Externalising</a:t>
+              <a:rPr lang="en-US" smtClean="0"/>
+              <a:t>Externalizing</a:t>
             </a:r>
             <a:endParaRPr lang="en-US" dirty="0" smtClean="0"/>
           </a:p>
@@ -6899,6 +7433,181 @@
               <a:rPr lang="en-US" dirty="0" smtClean="0"/>
               <a:t>Security Configuration	</a:t>
             </a:r>
+          </a:p>
+        </p:txBody>
+      </p:sp>
+      <p:sp>
+        <p:nvSpPr>
+          <p:cNvPr id="3" name="Rectangle 2"/>
+          <p:cNvSpPr/>
+          <p:nvPr/>
+        </p:nvSpPr>
+        <p:spPr>
+          <a:xfrm>
+            <a:off x="3048000" y="4453351"/>
+            <a:ext cx="3276600" cy="2031325"/>
+          </a:xfrm>
+          <a:prstGeom prst="rect">
+            <a:avLst/>
+          </a:prstGeom>
+        </p:spPr>
+        <p:txBody>
+          <a:bodyPr wrap="square">
+            <a:spAutoFit/>
+          </a:bodyPr>
+          <a:lstStyle/>
+          <a:p>
+            <a:pPr marL="285750" indent="-285750">
+              <a:buFont typeface="Wingdings" panose="05000000000000000000" pitchFamily="2" charset="2"/>
+              <a:buChar char="§"/>
+            </a:pPr>
+            <a:r>
+              <a:rPr lang="en-US" sz="1400" b="1" dirty="0" smtClean="0">
+                <a:solidFill>
+                  <a:srgbClr val="00B050"/>
+                </a:solidFill>
+              </a:rPr>
+              <a:t>Flow </a:t>
+            </a:r>
+            <a:r>
+              <a:rPr lang="en-US" sz="1400" b="1" dirty="0">
+                <a:solidFill>
+                  <a:srgbClr val="00B050"/>
+                </a:solidFill>
+              </a:rPr>
+              <a:t>Control</a:t>
+            </a:r>
+          </a:p>
+          <a:p>
+            <a:pPr marL="742950" lvl="1" indent="-285750">
+              <a:buFont typeface="Wingdings" panose="05000000000000000000" pitchFamily="2" charset="2"/>
+              <a:buChar char="§"/>
+            </a:pPr>
+            <a:r>
+              <a:rPr lang="en-US" sz="1400" b="1" dirty="0" smtClean="0">
+                <a:solidFill>
+                  <a:srgbClr val="00B050"/>
+                </a:solidFill>
+              </a:rPr>
+              <a:t>Round </a:t>
+            </a:r>
+            <a:r>
+              <a:rPr lang="en-US" sz="1400" b="1" dirty="0">
+                <a:solidFill>
+                  <a:srgbClr val="00B050"/>
+                </a:solidFill>
+              </a:rPr>
+              <a:t>Robin</a:t>
+            </a:r>
+          </a:p>
+          <a:p>
+            <a:pPr marL="742950" lvl="1" indent="-285750">
+              <a:buFont typeface="Wingdings" panose="05000000000000000000" pitchFamily="2" charset="2"/>
+              <a:buChar char="§"/>
+            </a:pPr>
+            <a:r>
+              <a:rPr lang="en-US" sz="1400" b="1" dirty="0">
+                <a:solidFill>
+                  <a:srgbClr val="00B050"/>
+                </a:solidFill>
+              </a:rPr>
+              <a:t>First success</a:t>
+            </a:r>
+            <a:endParaRPr lang="en-US" sz="1400" dirty="0"/>
+          </a:p>
+          <a:p>
+            <a:pPr marL="742950" lvl="1" indent="-285750">
+              <a:buFont typeface="Wingdings" panose="05000000000000000000" pitchFamily="2" charset="2"/>
+              <a:buChar char="§"/>
+            </a:pPr>
+            <a:r>
+              <a:rPr lang="en-US" sz="1400" dirty="0"/>
+              <a:t>Choice</a:t>
+            </a:r>
+            <a:endParaRPr lang="en-US" sz="1400" b="1" dirty="0">
+              <a:solidFill>
+                <a:srgbClr val="00B050"/>
+              </a:solidFill>
+            </a:endParaRPr>
+          </a:p>
+          <a:p>
+            <a:pPr marL="742950" lvl="1" indent="-285750">
+              <a:buFont typeface="Wingdings" panose="05000000000000000000" pitchFamily="2" charset="2"/>
+              <a:buChar char="§"/>
+            </a:pPr>
+            <a:r>
+              <a:rPr lang="en-US" sz="1400" b="1" dirty="0" smtClean="0">
+                <a:solidFill>
+                  <a:srgbClr val="00B050"/>
+                </a:solidFill>
+              </a:rPr>
+              <a:t>Scatter </a:t>
+            </a:r>
+            <a:r>
+              <a:rPr lang="en-US" sz="1400" b="1" dirty="0">
+                <a:solidFill>
+                  <a:srgbClr val="00B050"/>
+                </a:solidFill>
+              </a:rPr>
+              <a:t>and Gather</a:t>
+            </a:r>
+          </a:p>
+          <a:p>
+            <a:pPr marL="742950" lvl="1" indent="-285750">
+              <a:buFont typeface="Wingdings" panose="05000000000000000000" pitchFamily="2" charset="2"/>
+              <a:buChar char="§"/>
+            </a:pPr>
+            <a:r>
+              <a:rPr lang="en-US" sz="1400" b="1" dirty="0">
+                <a:solidFill>
+                  <a:srgbClr val="00B050"/>
+                </a:solidFill>
+              </a:rPr>
+              <a:t>Validation</a:t>
+            </a:r>
+          </a:p>
+          <a:p>
+            <a:pPr marL="742950" lvl="1" indent="-285750">
+              <a:buFont typeface="Wingdings" panose="05000000000000000000" pitchFamily="2" charset="2"/>
+              <a:buChar char="§"/>
+            </a:pPr>
+            <a:r>
+              <a:rPr lang="en-US" sz="1400" b="1" dirty="0" smtClean="0">
+                <a:solidFill>
+                  <a:srgbClr val="00B050"/>
+                </a:solidFill>
+              </a:rPr>
+              <a:t>Mock/Unit  Test Strategy</a:t>
+            </a:r>
+          </a:p>
+          <a:p>
+            <a:pPr marL="1200150" lvl="2" indent="-285750">
+              <a:buFont typeface="Wingdings" panose="05000000000000000000" pitchFamily="2" charset="2"/>
+              <a:buChar char="§"/>
+            </a:pPr>
+            <a:r>
+              <a:rPr lang="en-US" sz="1400" b="1" dirty="0" smtClean="0">
+                <a:solidFill>
+                  <a:srgbClr val="00B050"/>
+                </a:solidFill>
+              </a:rPr>
+              <a:t>Assert that</a:t>
+            </a:r>
+          </a:p>
+          <a:p>
+            <a:pPr marL="1200150" lvl="2" indent="-285750">
+              <a:buFont typeface="Wingdings" panose="05000000000000000000" pitchFamily="2" charset="2"/>
+              <a:buChar char="§"/>
+            </a:pPr>
+            <a:r>
+              <a:rPr lang="en-US" sz="1400" b="1" dirty="0" smtClean="0">
+                <a:solidFill>
+                  <a:srgbClr val="00B050"/>
+                </a:solidFill>
+              </a:rPr>
+              <a:t>Mock when</a:t>
+            </a:r>
+            <a:endParaRPr lang="en-US" sz="1400" dirty="0"/>
           </a:p>
         </p:txBody>
       </p:sp>

--- a/amlcheck-docs/AML Check API.pptx
+++ b/amlcheck-docs/AML Check API.pptx
@@ -4308,7 +4308,7 @@
           <a:p>
             <a:r>
               <a:rPr lang="en-US" sz="1600" dirty="0" smtClean="0"/>
-              <a:t>AML-ANYLOAD-COMMAND-REPLY</a:t>
+              <a:t>AML-ANY-LOAD-COMMAND-REPLY</a:t>
             </a:r>
             <a:endParaRPr lang="en-US" sz="1600" dirty="0"/>
           </a:p>
@@ -4771,11 +4771,11 @@
           <a:p>
             <a:r>
               <a:rPr lang="en-US" sz="1600" dirty="0" smtClean="0"/>
-              <a:t>(TODO FILE COMPONENT )AML- </a:t>
+              <a:t>AML- {</a:t>
             </a:r>
             <a:r>
               <a:rPr lang="en-US" sz="1600" dirty="0"/>
-              <a:t>{SOAP | REST</a:t>
+              <a:t>SOAP | REST</a:t>
             </a:r>
             <a:r>
               <a:rPr lang="en-US" sz="1600" dirty="0" smtClean="0"/>
@@ -4796,8 +4796,8 @@
           </a:p>
           <a:p>
             <a:r>
-              <a:rPr lang="en-US" sz="1600" dirty="0" smtClean="0"/>
-              <a:t>(TABLE ROW COMPONENT) AML-EXTERNAL-TRANS-CLIENT-REPORT</a:t>
+              <a:rPr lang="en-US" sz="1600" smtClean="0"/>
+              <a:t>AML-EXTERNAL-TRANS-CLIENT-REPORT</a:t>
             </a:r>
             <a:endParaRPr lang="en-US" sz="1600" dirty="0" smtClean="0"/>
           </a:p>
@@ -4910,11 +4910,7 @@
             </a:pPr>
             <a:r>
               <a:rPr lang="en-US" sz="2000" dirty="0" smtClean="0"/>
-              <a:t>1.) GET    : /</a:t>
-            </a:r>
-            <a:r>
-              <a:rPr lang="en-US" sz="2000" dirty="0" smtClean="0"/>
-              <a:t>mas/</a:t>
+              <a:t>1.) GET    : /mas/</a:t>
             </a:r>
             <a:r>
               <a:rPr lang="en-US" sz="2000" dirty="0" err="1" smtClean="0"/>
@@ -4928,7 +4924,6 @@
               <a:rPr lang="en-US" sz="2000" b="1" dirty="0" smtClean="0"/>
               <a:t>/external/command-template</a:t>
             </a:r>
-            <a:endParaRPr lang="en-US" sz="2000" b="1" dirty="0" smtClean="0"/>
           </a:p>
           <a:p>
             <a:pPr marL="457200" lvl="1" indent="0">
@@ -4936,11 +4931,7 @@
             </a:pPr>
             <a:r>
               <a:rPr lang="en-US" sz="2000" dirty="0" smtClean="0"/>
-              <a:t>2.) POST : /</a:t>
-            </a:r>
-            <a:r>
-              <a:rPr lang="en-US" sz="2000" dirty="0" smtClean="0"/>
-              <a:t>mas/</a:t>
+              <a:t>2.) POST : /mas/</a:t>
             </a:r>
             <a:r>
               <a:rPr lang="en-US" sz="2000" dirty="0" err="1" smtClean="0"/>
@@ -4954,7 +4945,6 @@
               <a:rPr lang="en-US" sz="2000" b="1" dirty="0" smtClean="0"/>
               <a:t>/external/command</a:t>
             </a:r>
-            <a:endParaRPr lang="en-US" sz="2000" b="1" dirty="0" smtClean="0"/>
           </a:p>
           <a:p>
             <a:pPr marL="457200" lvl="1" indent="0">
@@ -6071,11 +6061,6 @@
               </a:rPr>
               <a:t>Error handling</a:t>
             </a:r>
-            <a:endParaRPr lang="en-US" b="1" dirty="0" smtClean="0">
-              <a:solidFill>
-                <a:srgbClr val="00B050"/>
-              </a:solidFill>
-            </a:endParaRPr>
           </a:p>
           <a:p>
             <a:pPr lvl="1"/>
@@ -6557,11 +6542,7 @@
             <a:pPr lvl="1"/>
             <a:r>
               <a:rPr lang="en-US" dirty="0" smtClean="0"/>
-              <a:t>On premise</a:t>
-            </a:r>
-            <a:r>
-              <a:rPr lang="en-US" dirty="0" smtClean="0"/>
-              <a:t>	</a:t>
+              <a:t>On premise	</a:t>
             </a:r>
           </a:p>
         </p:txBody>
@@ -6987,7 +6968,6 @@
               <a:rPr lang="en-US" dirty="0" smtClean="0"/>
               <a:t>Request	</a:t>
             </a:r>
-            <a:endParaRPr lang="en-US" dirty="0" smtClean="0"/>
           </a:p>
           <a:p>
             <a:pPr lvl="1"/>
@@ -6995,7 +6975,6 @@
               <a:rPr lang="en-US" dirty="0" smtClean="0"/>
               <a:t>Soap</a:t>
             </a:r>
-            <a:endParaRPr lang="en-US" dirty="0" smtClean="0"/>
           </a:p>
         </p:txBody>
       </p:sp>
@@ -7208,7 +7187,6 @@
               <a:rPr lang="en-US" dirty="0" smtClean="0"/>
               <a:t>Insert</a:t>
             </a:r>
-            <a:endParaRPr lang="en-US" dirty="0" smtClean="0"/>
           </a:p>
           <a:p>
             <a:pPr lvl="1"/>
